--- a/Building-F2-Container-Workshop/Building F2 Containers April 11 2013.pptx
+++ b/Building-F2-Container-Workshop/Building F2 Containers April 11 2013.pptx
@@ -18,9 +18,9 @@
     <p:sldId id="301" r:id="rId6"/>
     <p:sldId id="299" r:id="rId7"/>
     <p:sldId id="302" r:id="rId8"/>
-    <p:sldId id="297" r:id="rId9"/>
-    <p:sldId id="304" r:id="rId10"/>
-    <p:sldId id="303" r:id="rId11"/>
+    <p:sldId id="305" r:id="rId9"/>
+    <p:sldId id="297" r:id="rId10"/>
+    <p:sldId id="304" r:id="rId11"/>
     <p:sldId id="296" r:id="rId12"/>
   </p:sldIdLst>
   <p:sldSz cx="9144000" cy="6858000" type="letter"/>
@@ -260,7 +260,7 @@
               <a:pPr>
                 <a:defRPr/>
               </a:pPr>
-              <a:t>4/10/2013</a:t>
+              <a:t>4/11/2013</a:t>
             </a:fld>
             <a:endParaRPr lang="en-US"/>
           </a:p>
@@ -476,7 +476,7 @@
               <a:pPr>
                 <a:defRPr/>
               </a:pPr>
-              <a:t>4/10/2013</a:t>
+              <a:t>4/11/2013</a:t>
             </a:fld>
             <a:endParaRPr lang="en-US"/>
           </a:p>
@@ -6234,18 +6234,7 @@
                   </a:schemeClr>
                 </a:solidFill>
               </a:rPr>
-              <a:t>Ali Khatami \  Boulder \  11 </a:t>
-            </a:r>
-            <a:r>
-              <a:rPr lang="en-GB" dirty="0" smtClean="0">
-                <a:solidFill>
-                  <a:schemeClr val="tx1">
-                    <a:lumMod val="50000"/>
-                    <a:lumOff val="50000"/>
-                  </a:schemeClr>
-                </a:solidFill>
-              </a:rPr>
-              <a:t>April 2013</a:t>
+              <a:t>Ali Khatami \  Boulder \  11 April 2013</a:t>
             </a:r>
             <a:endParaRPr lang="en-GB" dirty="0">
               <a:solidFill>
@@ -6330,28 +6319,82 @@
           <a:bodyPr/>
           <a:lstStyle/>
           <a:p>
-            <a:pPr algn="ctr"/>
+            <a:r>
+              <a:rPr lang="en-US" dirty="0">
+                <a:hlinkClick r:id="rId3"/>
+              </a:rPr>
+              <a:t>http://</a:t>
+            </a:r>
+            <a:r>
+              <a:rPr lang="en-US" dirty="0" smtClean="0">
+                <a:hlinkClick r:id="rId3"/>
+              </a:rPr>
+              <a:t>docs.openf2.org/container-development.html</a:t>
+            </a:r>
             <a:endParaRPr lang="en-US" dirty="0" smtClean="0"/>
           </a:p>
           <a:p>
-            <a:pPr algn="ctr"/>
+            <a:endParaRPr lang="en-US" dirty="0" smtClean="0"/>
+          </a:p>
+          <a:p>
+            <a:r>
+              <a:rPr lang="en-US" dirty="0">
+                <a:hlinkClick r:id="rId4"/>
+              </a:rPr>
+              <a:t>http://docs.openf2.org/sdk</a:t>
+            </a:r>
+            <a:r>
+              <a:rPr lang="en-US" dirty="0" smtClean="0">
+                <a:hlinkClick r:id="rId4"/>
+              </a:rPr>
+              <a:t>/</a:t>
+            </a:r>
+            <a:endParaRPr lang="en-US" dirty="0" smtClean="0"/>
+          </a:p>
+          <a:p>
+            <a:endParaRPr lang="en-US" dirty="0" smtClean="0"/>
+          </a:p>
+          <a:p>
+            <a:r>
+              <a:rPr lang="en-US" dirty="0" smtClean="0">
+                <a:hlinkClick r:id="rId5"/>
+              </a:rPr>
+              <a:t>http://www.openf2.org/Examples</a:t>
+            </a:r>
+            <a:r>
+              <a:rPr lang="en-US" dirty="0" smtClean="0"/>
+              <a:t> </a:t>
+            </a:r>
+          </a:p>
+          <a:p>
             <a:endParaRPr lang="en-US" dirty="0"/>
           </a:p>
           <a:p>
-            <a:pPr algn="ctr"/>
+            <a:r>
+              <a:rPr lang="en-US" dirty="0">
+                <a:hlinkClick r:id="rId6"/>
+              </a:rPr>
+              <a:t>https://</a:t>
+            </a:r>
+            <a:r>
+              <a:rPr lang="en-US" dirty="0" smtClean="0">
+                <a:hlinkClick r:id="rId6"/>
+              </a:rPr>
+              <a:t>github.com/OpenF2/F2</a:t>
+            </a:r>
             <a:endParaRPr lang="en-US" dirty="0" smtClean="0"/>
           </a:p>
           <a:p>
-            <a:pPr algn="ctr"/>
             <a:endParaRPr lang="en-US" dirty="0"/>
           </a:p>
           <a:p>
-            <a:pPr algn="ctr"/>
-            <a:r>
-              <a:rPr lang="en-US" dirty="0" smtClean="0"/>
-              <a:t>Now to the code….</a:t>
-            </a:r>
-            <a:endParaRPr lang="en-US" sz="1100" dirty="0" smtClean="0"/>
+            <a:r>
+              <a:rPr lang="en-US" dirty="0">
+                <a:hlinkClick r:id="rId7"/>
+              </a:rPr>
+              <a:t>https://github.com/Ali-Khatami/F2</a:t>
+            </a:r>
+            <a:endParaRPr lang="en-US" dirty="0"/>
           </a:p>
         </p:txBody>
       </p:sp>
@@ -6372,7 +6415,7 @@
           <a:p>
             <a:r>
               <a:rPr lang="en-US" dirty="0" smtClean="0"/>
-              <a:t>Let’s do some hacking.</a:t>
+              <a:t>Resources</a:t>
             </a:r>
             <a:endParaRPr lang="en-US" dirty="0"/>
           </a:p>
@@ -6381,7 +6424,7 @@
     </p:spTree>
     <p:extLst>
       <p:ext uri="{BB962C8B-B14F-4D97-AF65-F5344CB8AC3E}">
-        <p14:creationId xmlns:p14="http://schemas.microsoft.com/office/powerpoint/2010/main" val="1048120834"/>
+        <p14:creationId xmlns:p14="http://schemas.microsoft.com/office/powerpoint/2010/main" val="420764201"/>
       </p:ext>
     </p:extLst>
   </p:cSld>
@@ -6572,11 +6615,7 @@
           <a:p>
             <a:r>
               <a:rPr lang="en-US" dirty="0" smtClean="0"/>
-              <a:t>What is </a:t>
-            </a:r>
-            <a:r>
-              <a:rPr lang="en-US" dirty="0" smtClean="0"/>
-              <a:t>an F2 container?</a:t>
+              <a:t>What is an F2 container?</a:t>
             </a:r>
             <a:endParaRPr lang="en-US" dirty="0"/>
           </a:p>
@@ -6643,14 +6682,39 @@
             </a:pPr>
             <a:r>
               <a:rPr lang="en-US" dirty="0" smtClean="0"/>
-              <a:t>Does not build you a website</a:t>
-            </a:r>
+              <a:t>It is not a ready to roll website</a:t>
+            </a:r>
+            <a:endParaRPr lang="en-US" dirty="0" smtClean="0"/>
+          </a:p>
+          <a:p>
+            <a:r>
+              <a:rPr lang="en-US" dirty="0" smtClean="0"/>
+              <a:t/>
+            </a:r>
+            <a:br>
+              <a:rPr lang="en-US" dirty="0" smtClean="0"/>
+            </a:br>
+            <a:endParaRPr lang="en-US" dirty="0" smtClean="0"/>
           </a:p>
           <a:p>
             <a:pPr marL="342900" indent="-342900">
               <a:buFont typeface="Arial" pitchFamily="34" charset="0"/>
               <a:buChar char="•"/>
             </a:pPr>
+            <a:r>
+              <a:rPr lang="en-US" dirty="0" smtClean="0"/>
+              <a:t>It does not come with data of any kind</a:t>
+            </a:r>
+            <a:endParaRPr lang="en-US" dirty="0" smtClean="0"/>
+          </a:p>
+          <a:p>
+            <a:r>
+              <a:rPr lang="en-US" dirty="0" smtClean="0"/>
+              <a:t/>
+            </a:r>
+            <a:br>
+              <a:rPr lang="en-US" dirty="0" smtClean="0"/>
+            </a:br>
             <a:endParaRPr lang="en-US" dirty="0" smtClean="0"/>
           </a:p>
           <a:p>
@@ -6660,59 +6724,34 @@
             </a:pPr>
             <a:r>
               <a:rPr lang="en-US" dirty="0" smtClean="0"/>
-              <a:t>Does not provide you with data</a:t>
-            </a:r>
+              <a:t>It does not come with user</a:t>
+            </a:r>
+            <a:r>
+              <a:rPr lang="en-US" dirty="0" smtClean="0"/>
+              <a:t> authentication and/or entitlements</a:t>
+            </a:r>
+            <a:endParaRPr lang="en-US" dirty="0" smtClean="0"/>
+          </a:p>
+          <a:p>
+            <a:r>
+              <a:rPr lang="en-US" dirty="0" smtClean="0"/>
+              <a:t/>
+            </a:r>
+            <a:br>
+              <a:rPr lang="en-US" dirty="0" smtClean="0"/>
+            </a:br>
+            <a:endParaRPr lang="en-US" dirty="0" smtClean="0"/>
           </a:p>
           <a:p>
             <a:pPr marL="342900" indent="-342900">
               <a:buFont typeface="Arial" pitchFamily="34" charset="0"/>
               <a:buChar char="•"/>
             </a:pPr>
+            <a:r>
+              <a:rPr lang="en-US" dirty="0" smtClean="0"/>
+              <a:t>It is not mobile ready and/or responsive</a:t>
+            </a:r>
             <a:endParaRPr lang="en-US" dirty="0" smtClean="0"/>
-          </a:p>
-          <a:p>
-            <a:pPr marL="342900" indent="-342900">
-              <a:buFont typeface="Arial" pitchFamily="34" charset="0"/>
-              <a:buChar char="•"/>
-            </a:pPr>
-            <a:r>
-              <a:rPr lang="en-US" dirty="0" smtClean="0"/>
-              <a:t>Does not provide authentication</a:t>
-            </a:r>
-          </a:p>
-          <a:p>
-            <a:pPr marL="342900" indent="-342900">
-              <a:buFont typeface="Arial" pitchFamily="34" charset="0"/>
-              <a:buChar char="•"/>
-            </a:pPr>
-            <a:endParaRPr lang="en-US" dirty="0" smtClean="0"/>
-          </a:p>
-          <a:p>
-            <a:pPr marL="342900" indent="-342900">
-              <a:buFont typeface="Arial" pitchFamily="34" charset="0"/>
-              <a:buChar char="•"/>
-            </a:pPr>
-            <a:r>
-              <a:rPr lang="en-US" dirty="0" smtClean="0"/>
-              <a:t>Does not make your site mobile ready (responsive)</a:t>
-            </a:r>
-          </a:p>
-          <a:p>
-            <a:pPr marL="342900" indent="-342900">
-              <a:buFont typeface="Arial" pitchFamily="34" charset="0"/>
-              <a:buChar char="•"/>
-            </a:pPr>
-            <a:endParaRPr lang="en-US" dirty="0" smtClean="0"/>
-          </a:p>
-          <a:p>
-            <a:pPr marL="342900" indent="-342900">
-              <a:buFont typeface="Arial" pitchFamily="34" charset="0"/>
-              <a:buChar char="•"/>
-            </a:pPr>
-            <a:r>
-              <a:rPr lang="en-US" dirty="0" smtClean="0"/>
-              <a:t>Does not make you waffles</a:t>
-            </a:r>
           </a:p>
         </p:txBody>
       </p:sp>
@@ -6733,7 +6772,15 @@
           <a:p>
             <a:r>
               <a:rPr lang="en-US" dirty="0" smtClean="0"/>
-              <a:t>What does a container NOT do?</a:t>
+              <a:t>What </a:t>
+            </a:r>
+            <a:r>
+              <a:rPr lang="en-US" dirty="0" smtClean="0"/>
+              <a:t>is an F2 container? </a:t>
+            </a:r>
+            <a:r>
+              <a:rPr lang="en-US" dirty="0" smtClean="0"/>
+              <a:t>(cont’d.)</a:t>
             </a:r>
             <a:endParaRPr lang="en-US" dirty="0"/>
           </a:p>
@@ -6794,13 +6841,8 @@
           <a:bodyPr/>
           <a:lstStyle/>
           <a:p>
-            <a:endParaRPr lang="en-US" dirty="0" smtClean="0"/>
-          </a:p>
-          <a:p>
+            <a:pPr algn="ctr"/>
             <a:endParaRPr lang="en-US" dirty="0"/>
-          </a:p>
-          <a:p>
-            <a:endParaRPr lang="en-US" dirty="0" smtClean="0"/>
           </a:p>
           <a:p>
             <a:pPr algn="ctr"/>
@@ -6808,20 +6850,25 @@
           </a:p>
           <a:p>
             <a:pPr algn="ctr"/>
+            <a:endParaRPr lang="en-US" dirty="0"/>
+          </a:p>
+          <a:p>
+            <a:pPr algn="ctr"/>
+            <a:endParaRPr lang="en-US" dirty="0" smtClean="0"/>
+          </a:p>
+          <a:p>
+            <a:pPr algn="ctr"/>
             <a:r>
               <a:rPr lang="en-US" dirty="0" smtClean="0"/>
-              <a:t>Whatever you do today – just a little easier.</a:t>
+              <a:t>It’s your website, as it sits today, with minor changes.</a:t>
             </a:r>
           </a:p>
           <a:p>
             <a:pPr algn="ctr"/>
             <a:r>
               <a:rPr lang="en-US" dirty="0" smtClean="0"/>
-              <a:t>Think of it like jQuery for browser integration</a:t>
-            </a:r>
-            <a:br>
-              <a:rPr lang="en-US" dirty="0" smtClean="0"/>
-            </a:br>
+              <a:t>With a better, we hope, integration spec.</a:t>
+            </a:r>
             <a:endParaRPr lang="en-US" dirty="0" smtClean="0"/>
           </a:p>
           <a:p>
@@ -6849,8 +6896,8 @@
           <a:lstStyle/>
           <a:p>
             <a:r>
-              <a:rPr lang="en-US" dirty="0" smtClean="0"/>
-              <a:t>What does an F2 container do?</a:t>
+              <a:rPr lang="en-US" dirty="0"/>
+              <a:t>What is an F2 container? (cont’d.)</a:t>
             </a:r>
             <a:endParaRPr lang="en-US" dirty="0"/>
           </a:p>
@@ -6917,11 +6964,7 @@
             </a:pPr>
             <a:r>
               <a:rPr lang="en-US" dirty="0" smtClean="0"/>
-              <a:t>L</a:t>
-            </a:r>
-            <a:r>
-              <a:rPr lang="en-US" dirty="0" smtClean="0"/>
-              <a:t>oad F2.js onto the page</a:t>
+              <a:t>Load F2.js onto the page</a:t>
             </a:r>
           </a:p>
           <a:p>
@@ -6955,7 +6998,11 @@
             </a:pPr>
             <a:r>
               <a:rPr lang="en-US" dirty="0" smtClean="0"/>
-              <a:t>Manages app “chrome” and placement</a:t>
+              <a:t>Manage app(s) </a:t>
+            </a:r>
+            <a:r>
+              <a:rPr lang="en-US" dirty="0" smtClean="0"/>
+              <a:t>“chrome” and placement</a:t>
             </a:r>
           </a:p>
           <a:p>
@@ -6994,11 +7041,7 @@
           <a:p>
             <a:r>
               <a:rPr lang="en-US" dirty="0" smtClean="0"/>
-              <a:t>Container</a:t>
-            </a:r>
-            <a:r>
-              <a:rPr lang="en-US" dirty="0"/>
-              <a:t> </a:t>
+              <a:t>F2 Container </a:t>
             </a:r>
             <a:r>
               <a:rPr lang="en-US" dirty="0" smtClean="0"/>
@@ -7116,7 +7159,11 @@
           <a:p>
             <a:r>
               <a:rPr lang="en-US" dirty="0" smtClean="0"/>
-              <a:t>Container dependencies</a:t>
+              <a:t>F2 Container </a:t>
+            </a:r>
+            <a:r>
+              <a:rPr lang="en-US" dirty="0" smtClean="0"/>
+              <a:t>dependencies</a:t>
             </a:r>
             <a:endParaRPr lang="en-US" dirty="0"/>
           </a:p>
@@ -7280,51 +7327,28 @@
           <a:bodyPr/>
           <a:lstStyle/>
           <a:p>
-            <a:r>
-              <a:rPr lang="en-US" dirty="0">
-                <a:hlinkClick r:id="rId3"/>
-              </a:rPr>
-              <a:t>http://demo.markitqa.com/Hackathon/Home</a:t>
-            </a:r>
+            <a:pPr algn="ctr"/>
             <a:endParaRPr lang="en-US" dirty="0" smtClean="0"/>
           </a:p>
           <a:p>
-            <a:endParaRPr lang="en-US" dirty="0" smtClean="0">
-              <a:hlinkClick r:id="rId4"/>
-            </a:endParaRPr>
-          </a:p>
-          <a:p>
-            <a:r>
-              <a:rPr lang="en-US" dirty="0" smtClean="0">
-                <a:hlinkClick r:id="rId4"/>
-              </a:rPr>
-              <a:t>http</a:t>
-            </a:r>
-            <a:r>
-              <a:rPr lang="en-US" dirty="0">
-                <a:hlinkClick r:id="rId4"/>
-              </a:rPr>
-              <a:t>://</a:t>
-            </a:r>
-            <a:r>
-              <a:rPr lang="en-US" dirty="0" smtClean="0">
-                <a:hlinkClick r:id="rId4"/>
-              </a:rPr>
-              <a:t>www.openf2.org/Examples</a:t>
-            </a:r>
+            <a:pPr algn="ctr"/>
+            <a:endParaRPr lang="en-US" dirty="0"/>
+          </a:p>
+          <a:p>
+            <a:pPr algn="ctr"/>
             <a:endParaRPr lang="en-US" dirty="0" smtClean="0"/>
           </a:p>
           <a:p>
+            <a:pPr algn="ctr"/>
             <a:endParaRPr lang="en-US" dirty="0"/>
           </a:p>
           <a:p>
-            <a:r>
-              <a:rPr lang="en-US" dirty="0">
-                <a:hlinkClick r:id="rId5"/>
-              </a:rPr>
-              <a:t>http://ali-khatami.github.io/Hackathon/Building-F2-Container-Workshop/Example/</a:t>
-            </a:r>
-            <a:endParaRPr lang="en-US" dirty="0"/>
+            <a:pPr algn="ctr"/>
+            <a:r>
+              <a:rPr lang="en-US" dirty="0" smtClean="0"/>
+              <a:t>Now to the code….</a:t>
+            </a:r>
+            <a:endParaRPr lang="en-US" sz="1100" dirty="0" smtClean="0"/>
           </a:p>
         </p:txBody>
       </p:sp>
@@ -7345,7 +7369,7 @@
           <a:p>
             <a:r>
               <a:rPr lang="en-US" dirty="0" smtClean="0"/>
-              <a:t>Examples</a:t>
+              <a:t>Let’s do some hacking.</a:t>
             </a:r>
             <a:endParaRPr lang="en-US" dirty="0"/>
           </a:p>
@@ -7354,7 +7378,7 @@
     </p:spTree>
     <p:extLst>
       <p:ext uri="{BB962C8B-B14F-4D97-AF65-F5344CB8AC3E}">
-        <p14:creationId xmlns:p14="http://schemas.microsoft.com/office/powerpoint/2010/main" val="455920804"/>
+        <p14:creationId xmlns:p14="http://schemas.microsoft.com/office/powerpoint/2010/main" val="1161433141"/>
       </p:ext>
     </p:extLst>
   </p:cSld>
@@ -7410,76 +7434,45 @@
               <a:rPr lang="en-US" dirty="0">
                 <a:hlinkClick r:id="rId3"/>
               </a:rPr>
-              <a:t>http://</a:t>
-            </a:r>
+              <a:t>http://demo.markitqa.com/Hackathon/Home</a:t>
+            </a:r>
+            <a:endParaRPr lang="en-US" dirty="0" smtClean="0"/>
+          </a:p>
+          <a:p>
+            <a:endParaRPr lang="en-US" dirty="0" smtClean="0">
+              <a:hlinkClick r:id="rId4"/>
+            </a:endParaRPr>
+          </a:p>
+          <a:p>
             <a:r>
               <a:rPr lang="en-US" dirty="0" smtClean="0">
-                <a:hlinkClick r:id="rId3"/>
+                <a:hlinkClick r:id="rId4"/>
               </a:rPr>
-              <a:t>docs.openf2.org/container-development.html</a:t>
-            </a:r>
-            <a:endParaRPr lang="en-US" dirty="0" smtClean="0"/>
-          </a:p>
-          <a:p>
-            <a:endParaRPr lang="en-US" dirty="0" smtClean="0"/>
-          </a:p>
-          <a:p>
+              <a:t>http</a:t>
+            </a:r>
             <a:r>
               <a:rPr lang="en-US" dirty="0">
                 <a:hlinkClick r:id="rId4"/>
               </a:rPr>
-              <a:t>http://docs.openf2.org/sdk</a:t>
+              <a:t>://</a:t>
             </a:r>
             <a:r>
               <a:rPr lang="en-US" dirty="0" smtClean="0">
                 <a:hlinkClick r:id="rId4"/>
               </a:rPr>
-              <a:t>/</a:t>
+              <a:t>www.openf2.org/Examples</a:t>
             </a:r>
             <a:endParaRPr lang="en-US" dirty="0" smtClean="0"/>
           </a:p>
           <a:p>
-            <a:endParaRPr lang="en-US" dirty="0" smtClean="0"/>
-          </a:p>
-          <a:p>
-            <a:r>
-              <a:rPr lang="en-US" dirty="0" smtClean="0">
+            <a:endParaRPr lang="en-US" dirty="0"/>
+          </a:p>
+          <a:p>
+            <a:r>
+              <a:rPr lang="en-US" dirty="0">
                 <a:hlinkClick r:id="rId5"/>
               </a:rPr>
-              <a:t>http://www.openf2.org/Examples</a:t>
-            </a:r>
-            <a:r>
-              <a:rPr lang="en-US" dirty="0" smtClean="0"/>
-              <a:t> </a:t>
-            </a:r>
-          </a:p>
-          <a:p>
-            <a:endParaRPr lang="en-US" dirty="0"/>
-          </a:p>
-          <a:p>
-            <a:r>
-              <a:rPr lang="en-US" dirty="0">
-                <a:hlinkClick r:id="rId6"/>
-              </a:rPr>
-              <a:t>https://</a:t>
-            </a:r>
-            <a:r>
-              <a:rPr lang="en-US" dirty="0" smtClean="0">
-                <a:hlinkClick r:id="rId6"/>
-              </a:rPr>
-              <a:t>github.com/OpenF2/F2</a:t>
-            </a:r>
-            <a:endParaRPr lang="en-US" dirty="0" smtClean="0"/>
-          </a:p>
-          <a:p>
-            <a:endParaRPr lang="en-US" dirty="0"/>
-          </a:p>
-          <a:p>
-            <a:r>
-              <a:rPr lang="en-US" dirty="0">
-                <a:hlinkClick r:id="rId7"/>
-              </a:rPr>
-              <a:t>https://github.com/Ali-Khatami/F2</a:t>
+              <a:t>http://ali-khatami.github.io/Hackathon/Building-F2-Container-Workshop/Example/</a:t>
             </a:r>
             <a:endParaRPr lang="en-US" dirty="0"/>
           </a:p>
@@ -7502,7 +7495,7 @@
           <a:p>
             <a:r>
               <a:rPr lang="en-US" dirty="0" smtClean="0"/>
-              <a:t>Resources</a:t>
+              <a:t>Examples</a:t>
             </a:r>
             <a:endParaRPr lang="en-US" dirty="0"/>
           </a:p>
@@ -7511,7 +7504,7 @@
     </p:spTree>
     <p:extLst>
       <p:ext uri="{BB962C8B-B14F-4D97-AF65-F5344CB8AC3E}">
-        <p14:creationId xmlns:p14="http://schemas.microsoft.com/office/powerpoint/2010/main" val="420764201"/>
+        <p14:creationId xmlns:p14="http://schemas.microsoft.com/office/powerpoint/2010/main" val="455920804"/>
       </p:ext>
     </p:extLst>
   </p:cSld>

--- a/Building-F2-Container-Workshop/Building F2 Containers April 11 2013.pptx
+++ b/Building-F2-Container-Workshop/Building F2 Containers April 11 2013.pptx
@@ -6684,7 +6684,6 @@
               <a:rPr lang="en-US" dirty="0" smtClean="0"/>
               <a:t>It is not a ready to roll website</a:t>
             </a:r>
-            <a:endParaRPr lang="en-US" dirty="0" smtClean="0"/>
           </a:p>
           <a:p>
             <a:r>
@@ -6705,7 +6704,6 @@
               <a:rPr lang="en-US" dirty="0" smtClean="0"/>
               <a:t>It does not come with data of any kind</a:t>
             </a:r>
-            <a:endParaRPr lang="en-US" dirty="0" smtClean="0"/>
           </a:p>
           <a:p>
             <a:r>
@@ -6724,13 +6722,8 @@
             </a:pPr>
             <a:r>
               <a:rPr lang="en-US" dirty="0" smtClean="0"/>
-              <a:t>It does not come with user</a:t>
-            </a:r>
-            <a:r>
-              <a:rPr lang="en-US" dirty="0" smtClean="0"/>
-              <a:t> authentication and/or entitlements</a:t>
-            </a:r>
-            <a:endParaRPr lang="en-US" dirty="0" smtClean="0"/>
+              <a:t>It does not come with user authentication and/or entitlements</a:t>
+            </a:r>
           </a:p>
           <a:p>
             <a:r>
@@ -6751,7 +6744,6 @@
               <a:rPr lang="en-US" dirty="0" smtClean="0"/>
               <a:t>It is not mobile ready and/or responsive</a:t>
             </a:r>
-            <a:endParaRPr lang="en-US" dirty="0" smtClean="0"/>
           </a:p>
         </p:txBody>
       </p:sp>
@@ -6772,15 +6764,7 @@
           <a:p>
             <a:r>
               <a:rPr lang="en-US" dirty="0" smtClean="0"/>
-              <a:t>What </a:t>
-            </a:r>
-            <a:r>
-              <a:rPr lang="en-US" dirty="0" smtClean="0"/>
-              <a:t>is an F2 container? </a:t>
-            </a:r>
-            <a:r>
-              <a:rPr lang="en-US" dirty="0" smtClean="0"/>
-              <a:t>(cont’d.)</a:t>
+              <a:t>What is an F2 container? (cont’d.)</a:t>
             </a:r>
             <a:endParaRPr lang="en-US" dirty="0"/>
           </a:p>
@@ -6869,7 +6853,6 @@
               <a:rPr lang="en-US" dirty="0" smtClean="0"/>
               <a:t>With a better, we hope, integration spec.</a:t>
             </a:r>
-            <a:endParaRPr lang="en-US" dirty="0" smtClean="0"/>
           </a:p>
           <a:p>
             <a:pPr marL="342900" indent="-342900">
@@ -6899,7 +6882,6 @@
               <a:rPr lang="en-US" dirty="0"/>
               <a:t>What is an F2 container? (cont’d.)</a:t>
             </a:r>
-            <a:endParaRPr lang="en-US" dirty="0"/>
           </a:p>
         </p:txBody>
       </p:sp>
@@ -6998,11 +6980,7 @@
             </a:pPr>
             <a:r>
               <a:rPr lang="en-US" dirty="0" smtClean="0"/>
-              <a:t>Manage app(s) </a:t>
-            </a:r>
-            <a:r>
-              <a:rPr lang="en-US" dirty="0" smtClean="0"/>
-              <a:t>“chrome” and placement</a:t>
+              <a:t>Manage app(s) “chrome” and placement</a:t>
             </a:r>
           </a:p>
           <a:p>
@@ -7041,11 +7019,7 @@
           <a:p>
             <a:r>
               <a:rPr lang="en-US" dirty="0" smtClean="0"/>
-              <a:t>F2 Container </a:t>
-            </a:r>
-            <a:r>
-              <a:rPr lang="en-US" dirty="0" smtClean="0"/>
-              <a:t>responsibilities</a:t>
+              <a:t>F2 Container responsibilities</a:t>
             </a:r>
             <a:endParaRPr lang="en-US" dirty="0"/>
           </a:p>
@@ -7159,11 +7133,7 @@
           <a:p>
             <a:r>
               <a:rPr lang="en-US" dirty="0" smtClean="0"/>
-              <a:t>F2 Container </a:t>
-            </a:r>
-            <a:r>
-              <a:rPr lang="en-US" dirty="0" smtClean="0"/>
-              <a:t>dependencies</a:t>
+              <a:t>F2 Container dependencies</a:t>
             </a:r>
             <a:endParaRPr lang="en-US" dirty="0"/>
           </a:p>
@@ -7472,7 +7442,7 @@
               <a:rPr lang="en-US" dirty="0">
                 <a:hlinkClick r:id="rId5"/>
               </a:rPr>
-              <a:t>http://ali-khatami.github.io/Hackathon/Building-F2-Container-Workshop/Example/</a:t>
+              <a:t>http://ali-khatami.github.io/Hackathon/Building-F2-Container-Workshop/</a:t>
             </a:r>
             <a:endParaRPr lang="en-US" dirty="0"/>
           </a:p>
